--- a/references/00_setup.pptx
+++ b/references/00_setup.pptx
@@ -155,7 +155,7 @@
 <file path=ppt/revisionInfo.xml><?xml version="1.0" encoding="utf-8"?>
 <p1510:revInfo xmlns:a="http://schemas.openxmlformats.org/drawingml/2006/main" xmlns:r="http://schemas.openxmlformats.org/officeDocument/2006/relationships" xmlns:p1510="http://schemas.microsoft.com/office/powerpoint/2015/10/main">
   <p1510:revLst>
-    <p1510:client id="{BEB41E79-C60A-41F6-9E30-A902E10334C0}" v="23" dt="2023-04-06T13:29:46.133"/>
+    <p1510:client id="{BEB41E79-C60A-41F6-9E30-A902E10334C0}" v="25" dt="2023-04-13T11:13:33.936"/>
   </p1510:revLst>
 </p1510:revInfo>
 </file>
@@ -289,12 +289,12 @@
   <pc:docChgLst>
     <pc:chgData name="Chris Chan" userId="8500ae19-c3f0-4a31-b7f7-e9c9e28b9d72" providerId="ADAL" clId="{BEB41E79-C60A-41F6-9E30-A902E10334C0}"/>
     <pc:docChg chg="undo custSel addSld delSld modSld sldOrd delSection modSection">
-      <pc:chgData name="Chris Chan" userId="8500ae19-c3f0-4a31-b7f7-e9c9e28b9d72" providerId="ADAL" clId="{BEB41E79-C60A-41F6-9E30-A902E10334C0}" dt="2023-04-06T13:34:13.876" v="1850" actId="20577"/>
+      <pc:chgData name="Chris Chan" userId="8500ae19-c3f0-4a31-b7f7-e9c9e28b9d72" providerId="ADAL" clId="{BEB41E79-C60A-41F6-9E30-A902E10334C0}" dt="2023-04-13T11:13:39.855" v="1890" actId="20577"/>
       <pc:docMkLst>
         <pc:docMk/>
       </pc:docMkLst>
       <pc:sldChg chg="addSp modSp mod ord">
-        <pc:chgData name="Chris Chan" userId="8500ae19-c3f0-4a31-b7f7-e9c9e28b9d72" providerId="ADAL" clId="{BEB41E79-C60A-41F6-9E30-A902E10334C0}" dt="2023-04-06T11:47:27.138" v="1512" actId="20577"/>
+        <pc:chgData name="Chris Chan" userId="8500ae19-c3f0-4a31-b7f7-e9c9e28b9d72" providerId="ADAL" clId="{BEB41E79-C60A-41F6-9E30-A902E10334C0}" dt="2023-04-13T05:36:31.830" v="1867" actId="20577"/>
         <pc:sldMkLst>
           <pc:docMk/>
           <pc:sldMk cId="2414422595" sldId="3044"/>
@@ -308,11 +308,19 @@
           </ac:spMkLst>
         </pc:spChg>
         <pc:spChg chg="mod">
-          <ac:chgData name="Chris Chan" userId="8500ae19-c3f0-4a31-b7f7-e9c9e28b9d72" providerId="ADAL" clId="{BEB41E79-C60A-41F6-9E30-A902E10334C0}" dt="2023-04-06T11:47:27.138" v="1512" actId="20577"/>
+          <ac:chgData name="Chris Chan" userId="8500ae19-c3f0-4a31-b7f7-e9c9e28b9d72" providerId="ADAL" clId="{BEB41E79-C60A-41F6-9E30-A902E10334C0}" dt="2023-04-13T05:36:31.830" v="1867" actId="20577"/>
           <ac:spMkLst>
             <pc:docMk/>
             <pc:sldMk cId="2414422595" sldId="3044"/>
             <ac:spMk id="3" creationId="{9710D64A-7D47-3F45-8BC8-069C5288702D}"/>
+          </ac:spMkLst>
+        </pc:spChg>
+        <pc:spChg chg="mod">
+          <ac:chgData name="Chris Chan" userId="8500ae19-c3f0-4a31-b7f7-e9c9e28b9d72" providerId="ADAL" clId="{BEB41E79-C60A-41F6-9E30-A902E10334C0}" dt="2023-04-13T05:35:50.729" v="1856"/>
+          <ac:spMkLst>
+            <pc:docMk/>
+            <pc:sldMk cId="2414422595" sldId="3044"/>
+            <ac:spMk id="4" creationId="{E8E429DA-08F3-4842-A003-4C574E1934FC}"/>
           </ac:spMkLst>
         </pc:spChg>
         <pc:spChg chg="add mod">
@@ -341,7 +349,7 @@
         </pc:picChg>
       </pc:sldChg>
       <pc:sldChg chg="addSp modSp mod">
-        <pc:chgData name="Chris Chan" userId="8500ae19-c3f0-4a31-b7f7-e9c9e28b9d72" providerId="ADAL" clId="{BEB41E79-C60A-41F6-9E30-A902E10334C0}" dt="2023-04-05T16:00:06.133" v="1409" actId="20577"/>
+        <pc:chgData name="Chris Chan" userId="8500ae19-c3f0-4a31-b7f7-e9c9e28b9d72" providerId="ADAL" clId="{BEB41E79-C60A-41F6-9E30-A902E10334C0}" dt="2023-04-13T11:13:39.855" v="1890" actId="20577"/>
         <pc:sldMkLst>
           <pc:docMk/>
           <pc:sldMk cId="3320151564" sldId="3045"/>
@@ -363,7 +371,7 @@
           </ac:spMkLst>
         </pc:spChg>
         <pc:spChg chg="mod">
-          <ac:chgData name="Chris Chan" userId="8500ae19-c3f0-4a31-b7f7-e9c9e28b9d72" providerId="ADAL" clId="{BEB41E79-C60A-41F6-9E30-A902E10334C0}" dt="2023-04-05T16:00:06.133" v="1409" actId="20577"/>
+          <ac:chgData name="Chris Chan" userId="8500ae19-c3f0-4a31-b7f7-e9c9e28b9d72" providerId="ADAL" clId="{BEB41E79-C60A-41F6-9E30-A902E10334C0}" dt="2023-04-13T11:13:39.855" v="1890" actId="20577"/>
           <ac:spMkLst>
             <pc:docMk/>
             <pc:sldMk cId="3320151564" sldId="3045"/>
@@ -771,13 +779,13 @@
         </pc:spChg>
       </pc:sldChg>
       <pc:sldChg chg="addSp delSp modSp add mod ord">
-        <pc:chgData name="Chris Chan" userId="8500ae19-c3f0-4a31-b7f7-e9c9e28b9d72" providerId="ADAL" clId="{BEB41E79-C60A-41F6-9E30-A902E10334C0}" dt="2023-04-05T16:08:42.151" v="1483" actId="207"/>
+        <pc:chgData name="Chris Chan" userId="8500ae19-c3f0-4a31-b7f7-e9c9e28b9d72" providerId="ADAL" clId="{BEB41E79-C60A-41F6-9E30-A902E10334C0}" dt="2023-04-13T11:13:35.106" v="1889" actId="20577"/>
         <pc:sldMkLst>
           <pc:docMk/>
           <pc:sldMk cId="2482088845" sldId="2141411451"/>
         </pc:sldMkLst>
         <pc:spChg chg="mod">
-          <ac:chgData name="Chris Chan" userId="8500ae19-c3f0-4a31-b7f7-e9c9e28b9d72" providerId="ADAL" clId="{BEB41E79-C60A-41F6-9E30-A902E10334C0}" dt="2023-04-05T16:00:01.791" v="1408" actId="20577"/>
+          <ac:chgData name="Chris Chan" userId="8500ae19-c3f0-4a31-b7f7-e9c9e28b9d72" providerId="ADAL" clId="{BEB41E79-C60A-41F6-9E30-A902E10334C0}" dt="2023-04-13T11:13:35.106" v="1889" actId="20577"/>
           <ac:spMkLst>
             <pc:docMk/>
             <pc:sldMk cId="2482088845" sldId="2141411451"/>
@@ -1072,7 +1080,7 @@
           <a:p>
             <a:fld id="{987B67E3-89B6-B446-9B1C-ADA082D5D63F}" type="datetimeFigureOut">
               <a:rPr lang="en-US" smtClean="0"/>
-              <a:t>4/6/2023</a:t>
+              <a:t>4/13/2023</a:t>
             </a:fld>
             <a:endParaRPr lang="en-US"/>
           </a:p>
@@ -1249,7 +1257,7 @@
           <a:p>
             <a:fld id="{54AC175A-ACA4-A14D-B3B7-C6BF776E651F}" type="datetimeFigureOut">
               <a:rPr lang="en-US" smtClean="0"/>
-              <a:t>4/6/2023</a:t>
+              <a:t>4/13/2023</a:t>
             </a:fld>
             <a:endParaRPr lang="en-US"/>
           </a:p>
@@ -2430,7 +2438,7 @@
           <a:p>
             <a:fld id="{65222FBE-0471-2F45-8474-1A9B4D5D3AA0}" type="datetimeFigureOut">
               <a:rPr lang="en-US" smtClean="0"/>
-              <a:t>4/6/2023</a:t>
+              <a:t>4/13/2023</a:t>
             </a:fld>
             <a:endParaRPr lang="en-US"/>
           </a:p>
@@ -2705,7 +2713,7 @@
           <a:p>
             <a:fld id="{65222FBE-0471-2F45-8474-1A9B4D5D3AA0}" type="datetimeFigureOut">
               <a:rPr lang="en-US" smtClean="0"/>
-              <a:t>4/6/2023</a:t>
+              <a:t>4/13/2023</a:t>
             </a:fld>
             <a:endParaRPr lang="en-US"/>
           </a:p>
@@ -2970,7 +2978,7 @@
           <a:p>
             <a:fld id="{65222FBE-0471-2F45-8474-1A9B4D5D3AA0}" type="datetimeFigureOut">
               <a:rPr lang="en-US" smtClean="0"/>
-              <a:t>4/6/2023</a:t>
+              <a:t>4/13/2023</a:t>
             </a:fld>
             <a:endParaRPr lang="en-US"/>
           </a:p>
@@ -3382,7 +3390,7 @@
           <a:p>
             <a:fld id="{65222FBE-0471-2F45-8474-1A9B4D5D3AA0}" type="datetimeFigureOut">
               <a:rPr lang="en-US" smtClean="0"/>
-              <a:t>4/6/2023</a:t>
+              <a:t>4/13/2023</a:t>
             </a:fld>
             <a:endParaRPr lang="en-US"/>
           </a:p>
@@ -3523,7 +3531,7 @@
           <a:p>
             <a:fld id="{65222FBE-0471-2F45-8474-1A9B4D5D3AA0}" type="datetimeFigureOut">
               <a:rPr lang="en-US" smtClean="0"/>
-              <a:t>4/6/2023</a:t>
+              <a:t>4/13/2023</a:t>
             </a:fld>
             <a:endParaRPr lang="en-US"/>
           </a:p>
@@ -3636,7 +3644,7 @@
           <a:p>
             <a:fld id="{65222FBE-0471-2F45-8474-1A9B4D5D3AA0}" type="datetimeFigureOut">
               <a:rPr lang="en-US" smtClean="0"/>
-              <a:t>4/6/2023</a:t>
+              <a:t>4/13/2023</a:t>
             </a:fld>
             <a:endParaRPr lang="en-US"/>
           </a:p>
@@ -3947,7 +3955,7 @@
           <a:p>
             <a:fld id="{65222FBE-0471-2F45-8474-1A9B4D5D3AA0}" type="datetimeFigureOut">
               <a:rPr lang="en-US" smtClean="0"/>
-              <a:t>4/6/2023</a:t>
+              <a:t>4/13/2023</a:t>
             </a:fld>
             <a:endParaRPr lang="en-US"/>
           </a:p>
@@ -4235,7 +4243,7 @@
           <a:p>
             <a:fld id="{65222FBE-0471-2F45-8474-1A9B4D5D3AA0}" type="datetimeFigureOut">
               <a:rPr lang="en-US" smtClean="0"/>
-              <a:t>4/6/2023</a:t>
+              <a:t>4/13/2023</a:t>
             </a:fld>
             <a:endParaRPr lang="en-US"/>
           </a:p>
@@ -4433,7 +4441,7 @@
           <a:p>
             <a:fld id="{65222FBE-0471-2F45-8474-1A9B4D5D3AA0}" type="datetimeFigureOut">
               <a:rPr lang="en-US" smtClean="0"/>
-              <a:t>4/6/2023</a:t>
+              <a:t>4/13/2023</a:t>
             </a:fld>
             <a:endParaRPr lang="en-US"/>
           </a:p>
@@ -4641,7 +4649,7 @@
           <a:p>
             <a:fld id="{65222FBE-0471-2F45-8474-1A9B4D5D3AA0}" type="datetimeFigureOut">
               <a:rPr lang="en-US" smtClean="0"/>
-              <a:t>4/6/2023</a:t>
+              <a:t>4/13/2023</a:t>
             </a:fld>
             <a:endParaRPr lang="en-US"/>
           </a:p>
@@ -9582,7 +9590,7 @@
           <a:p>
             <a:fld id="{65222FBE-0471-2F45-8474-1A9B4D5D3AA0}" type="datetimeFigureOut">
               <a:rPr lang="en-US" smtClean="0"/>
-              <a:t>4/6/2023</a:t>
+              <a:t>4/13/2023</a:t>
             </a:fld>
             <a:endParaRPr lang="en-US"/>
           </a:p>
@@ -10149,7 +10157,7 @@
           <a:p>
             <a:fld id="{65222FBE-0471-2F45-8474-1A9B4D5D3AA0}" type="datetimeFigureOut">
               <a:rPr lang="en-US" smtClean="0"/>
-              <a:t>4/6/2023</a:t>
+              <a:t>4/13/2023</a:t>
             </a:fld>
             <a:endParaRPr lang="en-US"/>
           </a:p>
@@ -12645,6 +12653,25 @@
           </a:p>
           <a:p>
             <a:pPr lvl="1"/>
+            <a:r>
+              <a:rPr lang="en-US" sz="1600" dirty="0">
+                <a:hlinkClick r:id="rId2"/>
+              </a:rPr>
+              <a:t>https://issgovernance.sharepoint.com/:f:/s/isshome/ESG/Ev-i17GYVVVOqwGf0_ahHmQBi03CmC8-SrwLep6Ql7DR_w?e=</a:t>
+            </a:r>
+            <a:r>
+              <a:rPr lang="en-US" sz="1600">
+                <a:hlinkClick r:id="rId2"/>
+              </a:rPr>
+              <a:t>vaCe8x</a:t>
+            </a:r>
+            <a:r>
+              <a:rPr lang="en-US" sz="1600"/>
+              <a:t> </a:t>
+            </a:r>
+          </a:p>
+          <a:p>
+            <a:pPr lvl="1"/>
             <a:endParaRPr lang="en-US" sz="1600" dirty="0"/>
           </a:p>
           <a:p>
@@ -12676,7 +12703,7 @@
           <a:bodyPr/>
           <a:lstStyle/>
           <a:p>
-            <a:endParaRPr lang="en-US"/>
+            <a:endParaRPr lang="en-US" dirty="0"/>
           </a:p>
         </p:txBody>
       </p:sp>
@@ -12695,7 +12722,7 @@
           <p:nvPr/>
         </p:nvPicPr>
         <p:blipFill>
-          <a:blip r:embed="rId2"/>
+          <a:blip r:embed="rId3"/>
           <a:stretch>
             <a:fillRect/>
           </a:stretch>
@@ -12725,7 +12752,7 @@
           <p:nvPr/>
         </p:nvPicPr>
         <p:blipFill>
-          <a:blip r:embed="rId3"/>
+          <a:blip r:embed="rId4"/>
           <a:stretch>
             <a:fillRect/>
           </a:stretch>
@@ -12855,7 +12882,7 @@
           <a:p>
             <a:r>
               <a:rPr lang="en-US" sz="2400" dirty="0"/>
-              <a:t>Alternatively you can useminiconda3 which contains the python program for this course</a:t>
+              <a:t>First, try anaconda</a:t>
             </a:r>
           </a:p>
           <a:p>
@@ -12864,7 +12891,7 @@
               <a:rPr lang="en-US" sz="2000" dirty="0">
                 <a:hlinkClick r:id="rId2"/>
               </a:rPr>
-              <a:t>https://docs.conda.io/en/latest/miniconda.html#latest-miniconda-installer-links</a:t>
+              <a:t>https://www.anaconda.com/</a:t>
             </a:r>
             <a:r>
               <a:rPr lang="en-US" sz="2000" dirty="0"/>
@@ -13100,7 +13127,15 @@
           <a:p>
             <a:r>
               <a:rPr lang="en-US" sz="2400" dirty="0"/>
-              <a:t>Alternatively you can useminiconda3 which contains the python program for this course</a:t>
+              <a:t>Alternatively you </a:t>
+            </a:r>
+            <a:r>
+              <a:rPr lang="en-US" sz="2400"/>
+              <a:t>can use miniconda3 </a:t>
+            </a:r>
+            <a:r>
+              <a:rPr lang="en-US" sz="2400" dirty="0"/>
+              <a:t>which contains the python program for this course</a:t>
             </a:r>
           </a:p>
           <a:p>
